--- a/Word/Concreto 1/W M Pereira Junior_13-Carga de vento em edifícios_r00_290621.pptx
+++ b/Word/Concreto 1/W M Pereira Junior_13-Carga de vento em edifícios_r00_290621.pptx
@@ -283,7 +283,7 @@
       <p15:sldGuideLst xmlns:p15="http://schemas.microsoft.com/office/powerpoint/2012/main"/>
     </p:ext>
     <p:ext uri="http://customooxmlschemas.google.com/">
-      <go:slidesCustomData xmlns:go="http://customooxmlschemas.google.com/" xmlns:ahyp="http://schemas.microsoft.com/office/drawing/2018/hyperlinkcolor" xmlns:p15="http://schemas.microsoft.com/office/powerpoint/2012/main" xmlns:p14="http://schemas.microsoft.com/office/powerpoint/2010/main" xmlns:com="http://schemas.openxmlformats.org/drawingml/2006/compatibility" xmlns:pvml="urn:schemas-microsoft-com:office:powerpoint" xmlns:v="urn:schemas-microsoft-com:vml" xmlns:o="urn:schemas-microsoft-com:office:office" xmlns:dgm="http://schemas.openxmlformats.org/drawingml/2006/diagram" xmlns:c="http://schemas.openxmlformats.org/drawingml/2006/chart" xmlns:mv="urn:schemas-microsoft-com:mac:vml" xmlns:mc="http://schemas.openxmlformats.org/markup-compatibility/2006" xmlns="" r:id="rId36" roundtripDataSignature="AMtx7mhXF1BXzQvv2zZalSgqmiWUwhqCyQ=="/>
+      <go:slidesCustomData xmlns="" xmlns:mc="http://schemas.openxmlformats.org/markup-compatibility/2006" xmlns:mv="urn:schemas-microsoft-com:mac:vml" xmlns:c="http://schemas.openxmlformats.org/drawingml/2006/chart" xmlns:dgm="http://schemas.openxmlformats.org/drawingml/2006/diagram" xmlns:o="urn:schemas-microsoft-com:office:office" xmlns:v="urn:schemas-microsoft-com:vml" xmlns:pvml="urn:schemas-microsoft-com:office:powerpoint" xmlns:com="http://schemas.openxmlformats.org/drawingml/2006/compatibility" xmlns:p14="http://schemas.microsoft.com/office/powerpoint/2010/main" xmlns:p15="http://schemas.microsoft.com/office/powerpoint/2012/main" xmlns:ahyp="http://schemas.microsoft.com/office/drawing/2018/hyperlinkcolor" xmlns:go="http://customooxmlschemas.google.com/" r:id="rId36" roundtripDataSignature="AMtx7mhXF1BXzQvv2zZalSgqmiWUwhqCyQ=="/>
     </p:ext>
   </p:extLst>
 </p:presentation>
@@ -12432,10 +12432,10 @@
       </p:grpSpPr>
       <p:pic>
         <p:nvPicPr>
-          <p:cNvPr id="4" name="Imagem 3">
+          <p:cNvPr id="3" name="Imagem 2">
             <a:extLst>
               <a:ext uri="{FF2B5EF4-FFF2-40B4-BE49-F238E27FC236}">
-                <a16:creationId xmlns:a16="http://schemas.microsoft.com/office/drawing/2014/main" id="{6177D231-599A-4D32-83F7-678EE7817E55}"/>
+                <a16:creationId xmlns:a16="http://schemas.microsoft.com/office/drawing/2014/main" id="{032C874C-05EC-4207-B91C-9208D99F8376}"/>
               </a:ext>
             </a:extLst>
           </p:cNvPr>
@@ -12791,8 +12791,8 @@
           </a:extLst>
         </p:spPr>
       </p:pic>
-      <mc:AlternateContent xmlns:mc="http://schemas.openxmlformats.org/markup-compatibility/2006">
-        <mc:Choice xmlns:a14="http://schemas.microsoft.com/office/drawing/2010/main" Requires="a14">
+      <mc:AlternateContent xmlns:mc="http://schemas.openxmlformats.org/markup-compatibility/2006" xmlns:a14="http://schemas.microsoft.com/office/drawing/2010/main">
+        <mc:Choice Requires="a14">
           <p:sp>
             <p:nvSpPr>
               <p:cNvPr id="16" name="CaixaDeTexto 15">
@@ -13141,7 +13141,7 @@
             </p:txBody>
           </p:sp>
         </mc:Choice>
-        <mc:Fallback>
+        <mc:Fallback xmlns="">
           <p:sp>
             <p:nvSpPr>
               <p:cNvPr id="16" name="CaixaDeTexto 15">
@@ -13186,8 +13186,8 @@
           </p:sp>
         </mc:Fallback>
       </mc:AlternateContent>
-      <mc:AlternateContent xmlns:mc="http://schemas.openxmlformats.org/markup-compatibility/2006">
-        <mc:Choice xmlns:a14="http://schemas.microsoft.com/office/drawing/2010/main" Requires="a14">
+      <mc:AlternateContent xmlns:mc="http://schemas.openxmlformats.org/markup-compatibility/2006" xmlns:a14="http://schemas.microsoft.com/office/drawing/2010/main">
+        <mc:Choice Requires="a14">
           <p:sp>
             <p:nvSpPr>
               <p:cNvPr id="17" name="CaixaDeTexto 16">
@@ -13406,7 +13406,7 @@
             </p:txBody>
           </p:sp>
         </mc:Choice>
-        <mc:Fallback>
+        <mc:Fallback xmlns="">
           <p:sp>
             <p:nvSpPr>
               <p:cNvPr id="17" name="CaixaDeTexto 16">
@@ -13451,8 +13451,8 @@
           </p:sp>
         </mc:Fallback>
       </mc:AlternateContent>
-      <mc:AlternateContent xmlns:mc="http://schemas.openxmlformats.org/markup-compatibility/2006">
-        <mc:Choice xmlns:a14="http://schemas.microsoft.com/office/drawing/2010/main" Requires="a14">
+      <mc:AlternateContent xmlns:mc="http://schemas.openxmlformats.org/markup-compatibility/2006" xmlns:a14="http://schemas.microsoft.com/office/drawing/2010/main">
+        <mc:Choice Requires="a14">
           <p:sp>
             <p:nvSpPr>
               <p:cNvPr id="19" name="CaixaDeTexto 18">
@@ -13629,7 +13629,7 @@
             </p:txBody>
           </p:sp>
         </mc:Choice>
-        <mc:Fallback>
+        <mc:Fallback xmlns="">
           <p:sp>
             <p:nvSpPr>
               <p:cNvPr id="19" name="CaixaDeTexto 18">
@@ -14528,8 +14528,8 @@
           </a:ln>
         </p:spPr>
       </p:pic>
-      <mc:AlternateContent xmlns:mc="http://schemas.openxmlformats.org/markup-compatibility/2006">
-        <mc:Choice xmlns:a14="http://schemas.microsoft.com/office/drawing/2010/main" Requires="a14">
+      <mc:AlternateContent xmlns:mc="http://schemas.openxmlformats.org/markup-compatibility/2006" xmlns:a14="http://schemas.microsoft.com/office/drawing/2010/main">
+        <mc:Choice Requires="a14">
           <p:sp>
             <p:nvSpPr>
               <p:cNvPr id="11" name="CaixaDeTexto 10">
@@ -14737,7 +14737,7 @@
             </p:txBody>
           </p:sp>
         </mc:Choice>
-        <mc:Fallback>
+        <mc:Fallback xmlns="">
           <p:sp>
             <p:nvSpPr>
               <p:cNvPr id="11" name="CaixaDeTexto 10">
@@ -16541,8 +16541,8 @@
           </a:prstGeom>
         </p:spPr>
       </p:pic>
-      <mc:AlternateContent xmlns:mc="http://schemas.openxmlformats.org/markup-compatibility/2006">
-        <mc:Choice xmlns:a14="http://schemas.microsoft.com/office/drawing/2010/main" Requires="a14">
+      <mc:AlternateContent xmlns:mc="http://schemas.openxmlformats.org/markup-compatibility/2006" xmlns:a14="http://schemas.microsoft.com/office/drawing/2010/main">
+        <mc:Choice Requires="a14">
           <p:sp>
             <p:nvSpPr>
               <p:cNvPr id="14" name="CaixaDeTexto 13">
@@ -16758,7 +16758,7 @@
             </p:txBody>
           </p:sp>
         </mc:Choice>
-        <mc:Fallback>
+        <mc:Fallback xmlns="">
           <p:sp>
             <p:nvSpPr>
               <p:cNvPr id="14" name="CaixaDeTexto 13">
@@ -17435,8 +17435,8 @@
           </a:p>
         </p:txBody>
       </p:sp>
-      <mc:AlternateContent xmlns:mc="http://schemas.openxmlformats.org/markup-compatibility/2006">
-        <mc:Choice xmlns:a14="http://schemas.microsoft.com/office/drawing/2010/main" Requires="a14">
+      <mc:AlternateContent xmlns:mc="http://schemas.openxmlformats.org/markup-compatibility/2006" xmlns:a14="http://schemas.microsoft.com/office/drawing/2010/main">
+        <mc:Choice Requires="a14">
           <p:sp>
             <p:nvSpPr>
               <p:cNvPr id="16" name="CaixaDeTexto 15">
@@ -17593,7 +17593,7 @@
             </p:txBody>
           </p:sp>
         </mc:Choice>
-        <mc:Fallback>
+        <mc:Fallback xmlns="">
           <p:sp>
             <p:nvSpPr>
               <p:cNvPr id="16" name="CaixaDeTexto 15">
@@ -17684,8 +17684,8 @@
           </a:p>
         </p:txBody>
       </p:sp>
-      <mc:AlternateContent xmlns:mc="http://schemas.openxmlformats.org/markup-compatibility/2006">
-        <mc:Choice xmlns:a14="http://schemas.microsoft.com/office/drawing/2010/main" Requires="a14">
+      <mc:AlternateContent xmlns:mc="http://schemas.openxmlformats.org/markup-compatibility/2006" xmlns:a14="http://schemas.microsoft.com/office/drawing/2010/main">
+        <mc:Choice Requires="a14">
           <p:sp>
             <p:nvSpPr>
               <p:cNvPr id="18" name="CaixaDeTexto 17">
@@ -17815,7 +17815,7 @@
             </p:txBody>
           </p:sp>
         </mc:Choice>
-        <mc:Fallback>
+        <mc:Fallback xmlns="">
           <p:sp>
             <p:nvSpPr>
               <p:cNvPr id="18" name="CaixaDeTexto 17">
@@ -18276,8 +18276,8 @@
           </a:p>
         </p:txBody>
       </p:sp>
-      <mc:AlternateContent xmlns:mc="http://schemas.openxmlformats.org/markup-compatibility/2006">
-        <mc:Choice xmlns:a14="http://schemas.microsoft.com/office/drawing/2010/main" Requires="a14">
+      <mc:AlternateContent xmlns:mc="http://schemas.openxmlformats.org/markup-compatibility/2006" xmlns:a14="http://schemas.microsoft.com/office/drawing/2010/main">
+        <mc:Choice Requires="a14">
           <p:sp>
             <p:nvSpPr>
               <p:cNvPr id="21" name="CaixaDeTexto 20">
@@ -18636,7 +18636,7 @@
             </p:txBody>
           </p:sp>
         </mc:Choice>
-        <mc:Fallback>
+        <mc:Fallback xmlns="">
           <p:sp>
             <p:nvSpPr>
               <p:cNvPr id="21" name="CaixaDeTexto 20">
@@ -18722,8 +18722,8 @@
           </a:p>
         </p:txBody>
       </p:sp>
-      <mc:AlternateContent xmlns:mc="http://schemas.openxmlformats.org/markup-compatibility/2006">
-        <mc:Choice xmlns:a14="http://schemas.microsoft.com/office/drawing/2010/main" Requires="a14">
+      <mc:AlternateContent xmlns:mc="http://schemas.openxmlformats.org/markup-compatibility/2006" xmlns:a14="http://schemas.microsoft.com/office/drawing/2010/main">
+        <mc:Choice Requires="a14">
           <p:sp>
             <p:nvSpPr>
               <p:cNvPr id="25" name="CaixaDeTexto 24">
@@ -19021,7 +19021,7 @@
             </p:txBody>
           </p:sp>
         </mc:Choice>
-        <mc:Fallback>
+        <mc:Fallback xmlns="">
           <p:sp>
             <p:nvSpPr>
               <p:cNvPr id="25" name="CaixaDeTexto 24">
